--- a/Office365/Sharepoint Administration.pptx
+++ b/Office365/Sharepoint Administration.pptx
@@ -219,7 +219,7 @@
           <a:p>
             <a:fld id="{3C1CD153-15DE-46E9-BB45-7F70E88D2337}" type="datetimeFigureOut">
               <a:rPr lang="nl-BE" smtClean="0"/>
-              <a:t>15/03/2018</a:t>
+              <a:t>28/09/2018</a:t>
             </a:fld>
             <a:endParaRPr lang="nl-BE"/>
           </a:p>
@@ -899,7 +899,7 @@
           <a:p>
             <a:fld id="{21F21368-17C6-4870-9BCB-BC49B72EC322}" type="datetimeFigureOut">
               <a:rPr lang="nl-BE" smtClean="0"/>
-              <a:t>15/03/2018</a:t>
+              <a:t>28/09/2018</a:t>
             </a:fld>
             <a:endParaRPr lang="nl-BE"/>
           </a:p>
@@ -1069,7 +1069,7 @@
           <a:p>
             <a:fld id="{21F21368-17C6-4870-9BCB-BC49B72EC322}" type="datetimeFigureOut">
               <a:rPr lang="nl-BE" smtClean="0"/>
-              <a:t>15/03/2018</a:t>
+              <a:t>28/09/2018</a:t>
             </a:fld>
             <a:endParaRPr lang="nl-BE"/>
           </a:p>
@@ -1249,7 +1249,7 @@
           <a:p>
             <a:fld id="{21F21368-17C6-4870-9BCB-BC49B72EC322}" type="datetimeFigureOut">
               <a:rPr lang="nl-BE" smtClean="0"/>
-              <a:t>15/03/2018</a:t>
+              <a:t>28/09/2018</a:t>
             </a:fld>
             <a:endParaRPr lang="nl-BE"/>
           </a:p>
@@ -1763,7 +1763,7 @@
           <a:p>
             <a:fld id="{21F21368-17C6-4870-9BCB-BC49B72EC322}" type="datetimeFigureOut">
               <a:rPr lang="nl-BE" smtClean="0"/>
-              <a:t>15/03/2018</a:t>
+              <a:t>28/09/2018</a:t>
             </a:fld>
             <a:endParaRPr lang="nl-BE"/>
           </a:p>
@@ -2009,7 +2009,7 @@
           <a:p>
             <a:fld id="{21F21368-17C6-4870-9BCB-BC49B72EC322}" type="datetimeFigureOut">
               <a:rPr lang="nl-BE" smtClean="0"/>
-              <a:t>15/03/2018</a:t>
+              <a:t>28/09/2018</a:t>
             </a:fld>
             <a:endParaRPr lang="nl-BE"/>
           </a:p>
@@ -2241,7 +2241,7 @@
           <a:p>
             <a:fld id="{21F21368-17C6-4870-9BCB-BC49B72EC322}" type="datetimeFigureOut">
               <a:rPr lang="nl-BE" smtClean="0"/>
-              <a:t>15/03/2018</a:t>
+              <a:t>28/09/2018</a:t>
             </a:fld>
             <a:endParaRPr lang="nl-BE"/>
           </a:p>
@@ -2608,7 +2608,7 @@
           <a:p>
             <a:fld id="{21F21368-17C6-4870-9BCB-BC49B72EC322}" type="datetimeFigureOut">
               <a:rPr lang="nl-BE" smtClean="0"/>
-              <a:t>15/03/2018</a:t>
+              <a:t>28/09/2018</a:t>
             </a:fld>
             <a:endParaRPr lang="nl-BE"/>
           </a:p>
@@ -2726,7 +2726,7 @@
           <a:p>
             <a:fld id="{21F21368-17C6-4870-9BCB-BC49B72EC322}" type="datetimeFigureOut">
               <a:rPr lang="nl-BE" smtClean="0"/>
-              <a:t>15/03/2018</a:t>
+              <a:t>28/09/2018</a:t>
             </a:fld>
             <a:endParaRPr lang="nl-BE"/>
           </a:p>
@@ -2821,7 +2821,7 @@
           <a:p>
             <a:fld id="{21F21368-17C6-4870-9BCB-BC49B72EC322}" type="datetimeFigureOut">
               <a:rPr lang="nl-BE" smtClean="0"/>
-              <a:t>15/03/2018</a:t>
+              <a:t>28/09/2018</a:t>
             </a:fld>
             <a:endParaRPr lang="nl-BE"/>
           </a:p>
@@ -3098,7 +3098,7 @@
           <a:p>
             <a:fld id="{21F21368-17C6-4870-9BCB-BC49B72EC322}" type="datetimeFigureOut">
               <a:rPr lang="nl-BE" smtClean="0"/>
-              <a:t>15/03/2018</a:t>
+              <a:t>28/09/2018</a:t>
             </a:fld>
             <a:endParaRPr lang="nl-BE"/>
           </a:p>
@@ -3355,7 +3355,7 @@
           <a:p>
             <a:fld id="{21F21368-17C6-4870-9BCB-BC49B72EC322}" type="datetimeFigureOut">
               <a:rPr lang="nl-BE" smtClean="0"/>
-              <a:t>15/03/2018</a:t>
+              <a:t>28/09/2018</a:t>
             </a:fld>
             <a:endParaRPr lang="nl-BE"/>
           </a:p>
@@ -3568,7 +3568,7 @@
           <a:p>
             <a:fld id="{21F21368-17C6-4870-9BCB-BC49B72EC322}" type="datetimeFigureOut">
               <a:rPr lang="nl-BE" smtClean="0"/>
-              <a:t>15/03/2018</a:t>
+              <a:t>28/09/2018</a:t>
             </a:fld>
             <a:endParaRPr lang="nl-BE"/>
           </a:p>
@@ -4647,15 +4647,7 @@
           <a:p>
             <a:r>
               <a:rPr lang="en-US" dirty="0"/>
-              <a:t>Update the </a:t>
-            </a:r>
-            <a:r>
-              <a:rPr lang="en-US" dirty="0" err="1"/>
-              <a:t>userinformation</a:t>
-            </a:r>
-            <a:r>
-              <a:rPr lang="en-US" dirty="0"/>
-              <a:t> with Set-</a:t>
+              <a:t>Update the user information with Set-</a:t>
             </a:r>
             <a:r>
               <a:rPr lang="en-US" dirty="0" err="1"/>
@@ -4804,26 +4796,13 @@
           <a:lstStyle/>
           <a:p>
             <a:r>
-              <a:rPr lang="en-US" dirty="0"/>
-              <a:t> </a:t>
-            </a:r>
-            <a:r>
               <a:rPr lang="en-US" dirty="0">
                 <a:solidFill>
                   <a:srgbClr val="0000FF"/>
                 </a:solidFill>
                 <a:latin typeface="Lucida Console" panose="020B0609040504020204" pitchFamily="49" charset="0"/>
               </a:rPr>
-              <a:t>Get-</a:t>
-            </a:r>
-            <a:r>
-              <a:rPr lang="en-US" dirty="0" err="1">
-                <a:solidFill>
-                  <a:srgbClr val="0000FF"/>
-                </a:solidFill>
-                <a:latin typeface="Lucida Console" panose="020B0609040504020204" pitchFamily="49" charset="0"/>
-              </a:rPr>
-              <a:t>MsolUser</a:t>
+              <a:t>Get-MsolUser</a:t>
             </a:r>
             <a:r>
               <a:rPr lang="en-US" dirty="0">
@@ -5072,10 +5051,6 @@
           </a:bodyPr>
           <a:lstStyle/>
           <a:p>
-            <a:r>
-              <a:rPr lang="en-US" dirty="0"/>
-              <a:t> </a:t>
-            </a:r>
             <a:r>
               <a:rPr lang="en-US" dirty="0">
                 <a:solidFill>
@@ -6168,7 +6143,7 @@
           <a:p>
             <a:r>
               <a:rPr lang="en-US" dirty="0"/>
-              <a:t>The same goes for user that you want to add…</a:t>
+              <a:t>The same goes for users that you want to add…</a:t>
             </a:r>
           </a:p>
         </p:txBody>
@@ -8107,36 +8082,6 @@
               <a:rPr lang="en-GB" dirty="0"/>
               <a:t>Shared mailbox</a:t>
             </a:r>
-          </a:p>
-        </p:txBody>
-      </p:sp>
-      <p:sp>
-        <p:nvSpPr>
-          <p:cNvPr id="3" name="Content Placeholder 2">
-            <a:extLst>
-              <a:ext uri="{FF2B5EF4-FFF2-40B4-BE49-F238E27FC236}">
-                <a16:creationId xmlns:a16="http://schemas.microsoft.com/office/drawing/2014/main" id="{6A68C4FD-83B3-4AB4-AC81-40A48522E4AC}"/>
-              </a:ext>
-            </a:extLst>
-          </p:cNvPr>
-          <p:cNvSpPr>
-            <a:spLocks noGrp="1"/>
-          </p:cNvSpPr>
-          <p:nvPr>
-            <p:ph idx="1"/>
-          </p:nvPr>
-        </p:nvSpPr>
-        <p:spPr>
-          <a:xfrm>
-            <a:off x="838200" y="5263115"/>
-            <a:ext cx="10515600" cy="913847"/>
-          </a:xfrm>
-        </p:spPr>
-        <p:txBody>
-          <a:bodyPr/>
-          <a:lstStyle/>
-          <a:p>
-            <a:endParaRPr lang="en-GB" dirty="0"/>
           </a:p>
         </p:txBody>
       </p:sp>

--- a/Office365/Sharepoint Administration.pptx
+++ b/Office365/Sharepoint Administration.pptx
@@ -219,7 +219,7 @@
           <a:p>
             <a:fld id="{3C1CD153-15DE-46E9-BB45-7F70E88D2337}" type="datetimeFigureOut">
               <a:rPr lang="nl-BE" smtClean="0"/>
-              <a:t>28/09/2018</a:t>
+              <a:t>21/03/2019</a:t>
             </a:fld>
             <a:endParaRPr lang="nl-BE"/>
           </a:p>
@@ -899,7 +899,7 @@
           <a:p>
             <a:fld id="{21F21368-17C6-4870-9BCB-BC49B72EC322}" type="datetimeFigureOut">
               <a:rPr lang="nl-BE" smtClean="0"/>
-              <a:t>28/09/2018</a:t>
+              <a:t>21/03/2019</a:t>
             </a:fld>
             <a:endParaRPr lang="nl-BE"/>
           </a:p>
@@ -1069,7 +1069,7 @@
           <a:p>
             <a:fld id="{21F21368-17C6-4870-9BCB-BC49B72EC322}" type="datetimeFigureOut">
               <a:rPr lang="nl-BE" smtClean="0"/>
-              <a:t>28/09/2018</a:t>
+              <a:t>21/03/2019</a:t>
             </a:fld>
             <a:endParaRPr lang="nl-BE"/>
           </a:p>
@@ -1249,7 +1249,7 @@
           <a:p>
             <a:fld id="{21F21368-17C6-4870-9BCB-BC49B72EC322}" type="datetimeFigureOut">
               <a:rPr lang="nl-BE" smtClean="0"/>
-              <a:t>28/09/2018</a:t>
+              <a:t>21/03/2019</a:t>
             </a:fld>
             <a:endParaRPr lang="nl-BE"/>
           </a:p>
@@ -1763,7 +1763,7 @@
           <a:p>
             <a:fld id="{21F21368-17C6-4870-9BCB-BC49B72EC322}" type="datetimeFigureOut">
               <a:rPr lang="nl-BE" smtClean="0"/>
-              <a:t>28/09/2018</a:t>
+              <a:t>21/03/2019</a:t>
             </a:fld>
             <a:endParaRPr lang="nl-BE"/>
           </a:p>
@@ -2009,7 +2009,7 @@
           <a:p>
             <a:fld id="{21F21368-17C6-4870-9BCB-BC49B72EC322}" type="datetimeFigureOut">
               <a:rPr lang="nl-BE" smtClean="0"/>
-              <a:t>28/09/2018</a:t>
+              <a:t>21/03/2019</a:t>
             </a:fld>
             <a:endParaRPr lang="nl-BE"/>
           </a:p>
@@ -2241,7 +2241,7 @@
           <a:p>
             <a:fld id="{21F21368-17C6-4870-9BCB-BC49B72EC322}" type="datetimeFigureOut">
               <a:rPr lang="nl-BE" smtClean="0"/>
-              <a:t>28/09/2018</a:t>
+              <a:t>21/03/2019</a:t>
             </a:fld>
             <a:endParaRPr lang="nl-BE"/>
           </a:p>
@@ -2608,7 +2608,7 @@
           <a:p>
             <a:fld id="{21F21368-17C6-4870-9BCB-BC49B72EC322}" type="datetimeFigureOut">
               <a:rPr lang="nl-BE" smtClean="0"/>
-              <a:t>28/09/2018</a:t>
+              <a:t>21/03/2019</a:t>
             </a:fld>
             <a:endParaRPr lang="nl-BE"/>
           </a:p>
@@ -2726,7 +2726,7 @@
           <a:p>
             <a:fld id="{21F21368-17C6-4870-9BCB-BC49B72EC322}" type="datetimeFigureOut">
               <a:rPr lang="nl-BE" smtClean="0"/>
-              <a:t>28/09/2018</a:t>
+              <a:t>21/03/2019</a:t>
             </a:fld>
             <a:endParaRPr lang="nl-BE"/>
           </a:p>
@@ -2821,7 +2821,7 @@
           <a:p>
             <a:fld id="{21F21368-17C6-4870-9BCB-BC49B72EC322}" type="datetimeFigureOut">
               <a:rPr lang="nl-BE" smtClean="0"/>
-              <a:t>28/09/2018</a:t>
+              <a:t>21/03/2019</a:t>
             </a:fld>
             <a:endParaRPr lang="nl-BE"/>
           </a:p>
@@ -3098,7 +3098,7 @@
           <a:p>
             <a:fld id="{21F21368-17C6-4870-9BCB-BC49B72EC322}" type="datetimeFigureOut">
               <a:rPr lang="nl-BE" smtClean="0"/>
-              <a:t>28/09/2018</a:t>
+              <a:t>21/03/2019</a:t>
             </a:fld>
             <a:endParaRPr lang="nl-BE"/>
           </a:p>
@@ -3355,7 +3355,7 @@
           <a:p>
             <a:fld id="{21F21368-17C6-4870-9BCB-BC49B72EC322}" type="datetimeFigureOut">
               <a:rPr lang="nl-BE" smtClean="0"/>
-              <a:t>28/09/2018</a:t>
+              <a:t>21/03/2019</a:t>
             </a:fld>
             <a:endParaRPr lang="nl-BE"/>
           </a:p>
@@ -3568,7 +3568,7 @@
           <a:p>
             <a:fld id="{21F21368-17C6-4870-9BCB-BC49B72EC322}" type="datetimeFigureOut">
               <a:rPr lang="nl-BE" smtClean="0"/>
-              <a:t>28/09/2018</a:t>
+              <a:t>21/03/2019</a:t>
             </a:fld>
             <a:endParaRPr lang="nl-BE"/>
           </a:p>
@@ -7340,25 +7340,25 @@
               <a:t>DistributionGroup</a:t>
             </a:r>
             <a:r>
-              <a:rPr lang="en-US" dirty="0">
-                <a:solidFill>
-                  <a:prstClr val="black"/>
-                </a:solidFill>
-                <a:latin typeface="Lucida Console" panose="020B0609040504020204" pitchFamily="49" charset="0"/>
-              </a:rPr>
-              <a:t> </a:t>
-            </a:r>
-            <a:r>
-              <a:rPr lang="en-US" dirty="0">
+              <a:rPr lang="en-US">
+                <a:solidFill>
+                  <a:prstClr val="black"/>
+                </a:solidFill>
+                <a:latin typeface="Lucida Console" panose="020B0609040504020204" pitchFamily="49" charset="0"/>
+              </a:rPr>
+              <a:t> </a:t>
+            </a:r>
+            <a:r>
+              <a:rPr lang="en-US">
                 <a:solidFill>
                   <a:srgbClr val="8B0000"/>
                 </a:solidFill>
                 <a:latin typeface="Lucida Console" panose="020B0609040504020204" pitchFamily="49" charset="0"/>
               </a:rPr>
-              <a:t>“..."</a:t>
-            </a:r>
-            <a:r>
-              <a:rPr lang="en-US" dirty="0">
+              <a:t>"..."</a:t>
+            </a:r>
+            <a:r>
+              <a:rPr lang="en-US">
                 <a:solidFill>
                   <a:prstClr val="black"/>
                 </a:solidFill>

--- a/Office365/Sharepoint Administration.pptx
+++ b/Office365/Sharepoint Administration.pptx
@@ -7340,25 +7340,25 @@
               <a:t>DistributionGroup</a:t>
             </a:r>
             <a:r>
-              <a:rPr lang="en-US">
-                <a:solidFill>
-                  <a:prstClr val="black"/>
-                </a:solidFill>
-                <a:latin typeface="Lucida Console" panose="020B0609040504020204" pitchFamily="49" charset="0"/>
-              </a:rPr>
-              <a:t> </a:t>
-            </a:r>
-            <a:r>
-              <a:rPr lang="en-US">
+              <a:rPr lang="en-US" dirty="0">
+                <a:solidFill>
+                  <a:prstClr val="black"/>
+                </a:solidFill>
+                <a:latin typeface="Lucida Console" panose="020B0609040504020204" pitchFamily="49" charset="0"/>
+              </a:rPr>
+              <a:t> </a:t>
+            </a:r>
+            <a:r>
+              <a:rPr lang="en-US" dirty="0">
                 <a:solidFill>
                   <a:srgbClr val="8B0000"/>
                 </a:solidFill>
                 <a:latin typeface="Lucida Console" panose="020B0609040504020204" pitchFamily="49" charset="0"/>
               </a:rPr>
-              <a:t>"..."</a:t>
-            </a:r>
-            <a:r>
-              <a:rPr lang="en-US">
+              <a:t>“..."</a:t>
+            </a:r>
+            <a:r>
+              <a:rPr lang="en-US" dirty="0">
                 <a:solidFill>
                   <a:prstClr val="black"/>
                 </a:solidFill>
@@ -10528,8 +10528,13 @@
             <a:pPr lvl="1"/>
             <a:r>
               <a:rPr lang="en-US" dirty="0"/>
-              <a:t>Windows Azure AD Module</a:t>
-            </a:r>
+              <a:t>Windows Azure AD </a:t>
+            </a:r>
+            <a:r>
+              <a:rPr lang="en-US" dirty="0" smtClean="0"/>
+              <a:t>Module (                                              )</a:t>
+            </a:r>
+            <a:endParaRPr lang="en-US" dirty="0"/>
           </a:p>
           <a:p>
             <a:r>
@@ -10700,6 +10705,61 @@
                 <a:latin typeface="Lucida Console" panose="020B0609040504020204" pitchFamily="49" charset="0"/>
               </a:rPr>
               <a:t> </a:t>
+            </a:r>
+          </a:p>
+        </p:txBody>
+      </p:sp>
+      <p:sp>
+        <p:nvSpPr>
+          <p:cNvPr id="5" name="Rectangle 4"/>
+          <p:cNvSpPr/>
+          <p:nvPr/>
+        </p:nvSpPr>
+        <p:spPr>
+          <a:xfrm>
+            <a:off x="5092941" y="2719678"/>
+            <a:ext cx="3498073" cy="369332"/>
+          </a:xfrm>
+          <a:prstGeom prst="rect">
+            <a:avLst/>
+          </a:prstGeom>
+        </p:spPr>
+        <p:txBody>
+          <a:bodyPr wrap="none">
+            <a:spAutoFit/>
+          </a:bodyPr>
+          <a:lstStyle/>
+          <a:p>
+            <a:r>
+              <a:rPr lang="nl-BE" dirty="0" smtClean="0"/>
+              <a:t> </a:t>
+            </a:r>
+            <a:r>
+              <a:rPr lang="nl-BE" dirty="0">
+                <a:solidFill>
+                  <a:srgbClr val="0000FF"/>
+                </a:solidFill>
+                <a:latin typeface="Lucida Console" panose="020B0609040504020204" pitchFamily="49" charset="0"/>
+              </a:rPr>
+              <a:t>Install-Module</a:t>
+            </a:r>
+            <a:r>
+              <a:rPr lang="nl-BE" dirty="0">
+                <a:solidFill>
+                  <a:prstClr val="black"/>
+                </a:solidFill>
+                <a:latin typeface="Lucida Console" panose="020B0609040504020204" pitchFamily="49" charset="0"/>
+              </a:rPr>
+              <a:t> </a:t>
+            </a:r>
+            <a:r>
+              <a:rPr lang="nl-BE" dirty="0">
+                <a:solidFill>
+                  <a:srgbClr val="8A2BE2"/>
+                </a:solidFill>
+                <a:latin typeface="Lucida Console" panose="020B0609040504020204" pitchFamily="49" charset="0"/>
+              </a:rPr>
+              <a:t>AzureAD </a:t>
             </a:r>
           </a:p>
         </p:txBody>
